--- a/ppt 16-9/0175.荣耀真神.pptx
+++ b/ppt 16-9/0175.荣耀真神.pptx
@@ -5,7 +5,7 @@
     <p:sldMasterId id="2147483648" r:id="rId1"/>
   </p:sldMasterIdLst>
   <p:sldIdLst>
-    <p:sldId id="2796" r:id="rId2"/>
+    <p:sldId id="2797" r:id="rId2"/>
   </p:sldIdLst>
   <p:sldSz cx="12192000" cy="6858000"/>
   <p:notesSz cx="6858000" cy="9144000"/>
@@ -129,7 +129,7 @@
           <p:cNvPr id="2" name="标题 1">
             <a:extLst>
               <a:ext uri="{FF2B5EF4-FFF2-40B4-BE49-F238E27FC236}">
-                <a16:creationId xmlns:a16="http://schemas.microsoft.com/office/drawing/2014/main" id="{0542EA5E-6D24-4902-016F-206798A4B944}"/>
+                <a16:creationId xmlns:a16="http://schemas.microsoft.com/office/drawing/2014/main" id="{8694C8E6-1E04-4532-7B18-4128CF5E041E}"/>
               </a:ext>
             </a:extLst>
           </p:cNvPr>
@@ -166,7 +166,7 @@
           <p:cNvPr id="3" name="副标题 2">
             <a:extLst>
               <a:ext uri="{FF2B5EF4-FFF2-40B4-BE49-F238E27FC236}">
-                <a16:creationId xmlns:a16="http://schemas.microsoft.com/office/drawing/2014/main" id="{7255907F-42F7-16C3-4F53-3FA47562063E}"/>
+                <a16:creationId xmlns:a16="http://schemas.microsoft.com/office/drawing/2014/main" id="{9CC10F7B-63AF-8AB7-8CC1-C946FD8CECAA}"/>
               </a:ext>
             </a:extLst>
           </p:cNvPr>
@@ -236,7 +236,7 @@
           <p:cNvPr id="4" name="日期占位符 3">
             <a:extLst>
               <a:ext uri="{FF2B5EF4-FFF2-40B4-BE49-F238E27FC236}">
-                <a16:creationId xmlns:a16="http://schemas.microsoft.com/office/drawing/2014/main" id="{0A378E49-CAB2-4B0D-9771-326BF8451563}"/>
+                <a16:creationId xmlns:a16="http://schemas.microsoft.com/office/drawing/2014/main" id="{F63F9661-ED93-19B7-E813-60B850BF2413}"/>
               </a:ext>
             </a:extLst>
           </p:cNvPr>
@@ -252,7 +252,7 @@
           <a:bodyPr/>
           <a:lstStyle/>
           <a:p>
-            <a:fld id="{31705DD8-BEC8-410D-BF19-3FFD82462F17}" type="datetimeFigureOut">
+            <a:fld id="{6601C72C-662B-440D-AF02-F6C3A3852186}" type="datetimeFigureOut">
               <a:rPr lang="zh-CN" altLang="en-US" smtClean="0"/>
               <a:t>2024/3/10</a:t>
             </a:fld>
@@ -265,7 +265,7 @@
           <p:cNvPr id="5" name="页脚占位符 4">
             <a:extLst>
               <a:ext uri="{FF2B5EF4-FFF2-40B4-BE49-F238E27FC236}">
-                <a16:creationId xmlns:a16="http://schemas.microsoft.com/office/drawing/2014/main" id="{40DE322C-A738-D84B-286B-1856AE18916E}"/>
+                <a16:creationId xmlns:a16="http://schemas.microsoft.com/office/drawing/2014/main" id="{D7867B31-DD73-143F-B883-AC0DE7AD0982}"/>
               </a:ext>
             </a:extLst>
           </p:cNvPr>
@@ -290,7 +290,7 @@
           <p:cNvPr id="6" name="灯片编号占位符 5">
             <a:extLst>
               <a:ext uri="{FF2B5EF4-FFF2-40B4-BE49-F238E27FC236}">
-                <a16:creationId xmlns:a16="http://schemas.microsoft.com/office/drawing/2014/main" id="{E1330E66-0AD6-2BF9-1A3C-2FC2935DF8BB}"/>
+                <a16:creationId xmlns:a16="http://schemas.microsoft.com/office/drawing/2014/main" id="{05149CE4-C9DA-E061-54B2-88776EF0C854}"/>
               </a:ext>
             </a:extLst>
           </p:cNvPr>
@@ -306,7 +306,7 @@
           <a:bodyPr/>
           <a:lstStyle/>
           <a:p>
-            <a:fld id="{9B26ECD7-49A7-494D-8551-17A1382008D0}" type="slidenum">
+            <a:fld id="{9445BA26-FBBA-4D0F-8C1A-549A7CA6BDC6}" type="slidenum">
               <a:rPr lang="zh-CN" altLang="en-US" smtClean="0"/>
               <a:t>‹#›</a:t>
             </a:fld>
@@ -317,7 +317,7 @@
     </p:spTree>
     <p:extLst>
       <p:ext uri="{BB962C8B-B14F-4D97-AF65-F5344CB8AC3E}">
-        <p14:creationId xmlns:p14="http://schemas.microsoft.com/office/powerpoint/2010/main" val="2404551369"/>
+        <p14:creationId xmlns:p14="http://schemas.microsoft.com/office/powerpoint/2010/main" val="2259804347"/>
       </p:ext>
     </p:extLst>
   </p:cSld>
@@ -349,7 +349,7 @@
           <p:cNvPr id="2" name="标题 1">
             <a:extLst>
               <a:ext uri="{FF2B5EF4-FFF2-40B4-BE49-F238E27FC236}">
-                <a16:creationId xmlns:a16="http://schemas.microsoft.com/office/drawing/2014/main" id="{2F819216-BDD9-E268-E02B-A547ACD2FBCD}"/>
+                <a16:creationId xmlns:a16="http://schemas.microsoft.com/office/drawing/2014/main" id="{8B24474D-4C56-2322-0788-B4FEA82BD26C}"/>
               </a:ext>
             </a:extLst>
           </p:cNvPr>
@@ -377,7 +377,7 @@
           <p:cNvPr id="3" name="竖排文字占位符 2">
             <a:extLst>
               <a:ext uri="{FF2B5EF4-FFF2-40B4-BE49-F238E27FC236}">
-                <a16:creationId xmlns:a16="http://schemas.microsoft.com/office/drawing/2014/main" id="{A56EEFE0-FBA0-335E-B692-A6F14121E230}"/>
+                <a16:creationId xmlns:a16="http://schemas.microsoft.com/office/drawing/2014/main" id="{444830DE-8459-47B6-2427-4353A9D0B383}"/>
               </a:ext>
             </a:extLst>
           </p:cNvPr>
@@ -434,7 +434,7 @@
           <p:cNvPr id="4" name="日期占位符 3">
             <a:extLst>
               <a:ext uri="{FF2B5EF4-FFF2-40B4-BE49-F238E27FC236}">
-                <a16:creationId xmlns:a16="http://schemas.microsoft.com/office/drawing/2014/main" id="{55591F4F-A17B-1899-01DF-51B69143B080}"/>
+                <a16:creationId xmlns:a16="http://schemas.microsoft.com/office/drawing/2014/main" id="{E132774F-ACD8-EB62-AE18-3D4DF3675673}"/>
               </a:ext>
             </a:extLst>
           </p:cNvPr>
@@ -450,7 +450,7 @@
           <a:bodyPr/>
           <a:lstStyle/>
           <a:p>
-            <a:fld id="{31705DD8-BEC8-410D-BF19-3FFD82462F17}" type="datetimeFigureOut">
+            <a:fld id="{6601C72C-662B-440D-AF02-F6C3A3852186}" type="datetimeFigureOut">
               <a:rPr lang="zh-CN" altLang="en-US" smtClean="0"/>
               <a:t>2024/3/10</a:t>
             </a:fld>
@@ -463,7 +463,7 @@
           <p:cNvPr id="5" name="页脚占位符 4">
             <a:extLst>
               <a:ext uri="{FF2B5EF4-FFF2-40B4-BE49-F238E27FC236}">
-                <a16:creationId xmlns:a16="http://schemas.microsoft.com/office/drawing/2014/main" id="{9E7642FB-DB8D-B523-2656-2CC170037C9A}"/>
+                <a16:creationId xmlns:a16="http://schemas.microsoft.com/office/drawing/2014/main" id="{FF140F04-6260-9885-C615-E0013CC1DD21}"/>
               </a:ext>
             </a:extLst>
           </p:cNvPr>
@@ -488,7 +488,7 @@
           <p:cNvPr id="6" name="灯片编号占位符 5">
             <a:extLst>
               <a:ext uri="{FF2B5EF4-FFF2-40B4-BE49-F238E27FC236}">
-                <a16:creationId xmlns:a16="http://schemas.microsoft.com/office/drawing/2014/main" id="{E9BE0503-57F1-73CD-6A64-26568EB90F76}"/>
+                <a16:creationId xmlns:a16="http://schemas.microsoft.com/office/drawing/2014/main" id="{A65F754F-589E-43FB-6F1F-0D02076BDD9D}"/>
               </a:ext>
             </a:extLst>
           </p:cNvPr>
@@ -504,7 +504,7 @@
           <a:bodyPr/>
           <a:lstStyle/>
           <a:p>
-            <a:fld id="{9B26ECD7-49A7-494D-8551-17A1382008D0}" type="slidenum">
+            <a:fld id="{9445BA26-FBBA-4D0F-8C1A-549A7CA6BDC6}" type="slidenum">
               <a:rPr lang="zh-CN" altLang="en-US" smtClean="0"/>
               <a:t>‹#›</a:t>
             </a:fld>
@@ -515,7 +515,7 @@
     </p:spTree>
     <p:extLst>
       <p:ext uri="{BB962C8B-B14F-4D97-AF65-F5344CB8AC3E}">
-        <p14:creationId xmlns:p14="http://schemas.microsoft.com/office/powerpoint/2010/main" val="1465645235"/>
+        <p14:creationId xmlns:p14="http://schemas.microsoft.com/office/powerpoint/2010/main" val="1549004889"/>
       </p:ext>
     </p:extLst>
   </p:cSld>
@@ -547,7 +547,7 @@
           <p:cNvPr id="2" name="竖排标题 1">
             <a:extLst>
               <a:ext uri="{FF2B5EF4-FFF2-40B4-BE49-F238E27FC236}">
-                <a16:creationId xmlns:a16="http://schemas.microsoft.com/office/drawing/2014/main" id="{A6C78479-2BFD-8762-87D0-960B34DDEEFC}"/>
+                <a16:creationId xmlns:a16="http://schemas.microsoft.com/office/drawing/2014/main" id="{C93F24FB-B144-2125-6669-917838952178}"/>
               </a:ext>
             </a:extLst>
           </p:cNvPr>
@@ -580,7 +580,7 @@
           <p:cNvPr id="3" name="竖排文字占位符 2">
             <a:extLst>
               <a:ext uri="{FF2B5EF4-FFF2-40B4-BE49-F238E27FC236}">
-                <a16:creationId xmlns:a16="http://schemas.microsoft.com/office/drawing/2014/main" id="{1665B62B-923B-EB65-90E2-EA4B3D325393}"/>
+                <a16:creationId xmlns:a16="http://schemas.microsoft.com/office/drawing/2014/main" id="{7C0E9587-2EEE-6017-A6CF-19FEAC3278BE}"/>
               </a:ext>
             </a:extLst>
           </p:cNvPr>
@@ -642,7 +642,7 @@
           <p:cNvPr id="4" name="日期占位符 3">
             <a:extLst>
               <a:ext uri="{FF2B5EF4-FFF2-40B4-BE49-F238E27FC236}">
-                <a16:creationId xmlns:a16="http://schemas.microsoft.com/office/drawing/2014/main" id="{5299796A-837A-39A1-4552-9A9374DE96D5}"/>
+                <a16:creationId xmlns:a16="http://schemas.microsoft.com/office/drawing/2014/main" id="{5B66B672-232C-E1E8-0FC5-D1527FA41098}"/>
               </a:ext>
             </a:extLst>
           </p:cNvPr>
@@ -658,7 +658,7 @@
           <a:bodyPr/>
           <a:lstStyle/>
           <a:p>
-            <a:fld id="{31705DD8-BEC8-410D-BF19-3FFD82462F17}" type="datetimeFigureOut">
+            <a:fld id="{6601C72C-662B-440D-AF02-F6C3A3852186}" type="datetimeFigureOut">
               <a:rPr lang="zh-CN" altLang="en-US" smtClean="0"/>
               <a:t>2024/3/10</a:t>
             </a:fld>
@@ -671,7 +671,7 @@
           <p:cNvPr id="5" name="页脚占位符 4">
             <a:extLst>
               <a:ext uri="{FF2B5EF4-FFF2-40B4-BE49-F238E27FC236}">
-                <a16:creationId xmlns:a16="http://schemas.microsoft.com/office/drawing/2014/main" id="{C0639772-2FD6-4F5E-EEBC-A8CDB7CD75A8}"/>
+                <a16:creationId xmlns:a16="http://schemas.microsoft.com/office/drawing/2014/main" id="{9219008F-3838-E27D-EED4-610D1F9D0800}"/>
               </a:ext>
             </a:extLst>
           </p:cNvPr>
@@ -696,7 +696,7 @@
           <p:cNvPr id="6" name="灯片编号占位符 5">
             <a:extLst>
               <a:ext uri="{FF2B5EF4-FFF2-40B4-BE49-F238E27FC236}">
-                <a16:creationId xmlns:a16="http://schemas.microsoft.com/office/drawing/2014/main" id="{4E9B0D25-426F-98B1-4563-B49DDBC55875}"/>
+                <a16:creationId xmlns:a16="http://schemas.microsoft.com/office/drawing/2014/main" id="{F740F68A-3479-1453-DB68-D802101C91AB}"/>
               </a:ext>
             </a:extLst>
           </p:cNvPr>
@@ -712,7 +712,7 @@
           <a:bodyPr/>
           <a:lstStyle/>
           <a:p>
-            <a:fld id="{9B26ECD7-49A7-494D-8551-17A1382008D0}" type="slidenum">
+            <a:fld id="{9445BA26-FBBA-4D0F-8C1A-549A7CA6BDC6}" type="slidenum">
               <a:rPr lang="zh-CN" altLang="en-US" smtClean="0"/>
               <a:t>‹#›</a:t>
             </a:fld>
@@ -723,7 +723,7 @@
     </p:spTree>
     <p:extLst>
       <p:ext uri="{BB962C8B-B14F-4D97-AF65-F5344CB8AC3E}">
-        <p14:creationId xmlns:p14="http://schemas.microsoft.com/office/powerpoint/2010/main" val="3437750524"/>
+        <p14:creationId xmlns:p14="http://schemas.microsoft.com/office/powerpoint/2010/main" val="2155753073"/>
       </p:ext>
     </p:extLst>
   </p:cSld>
@@ -755,7 +755,7 @@
           <p:cNvPr id="2" name="标题 1">
             <a:extLst>
               <a:ext uri="{FF2B5EF4-FFF2-40B4-BE49-F238E27FC236}">
-                <a16:creationId xmlns:a16="http://schemas.microsoft.com/office/drawing/2014/main" id="{DFC62CB5-7A82-8BE0-CE0B-68CA279D66F5}"/>
+                <a16:creationId xmlns:a16="http://schemas.microsoft.com/office/drawing/2014/main" id="{D0D5915A-5EA6-D217-D1BF-FCC5C351D251}"/>
               </a:ext>
             </a:extLst>
           </p:cNvPr>
@@ -783,7 +783,7 @@
           <p:cNvPr id="3" name="内容占位符 2">
             <a:extLst>
               <a:ext uri="{FF2B5EF4-FFF2-40B4-BE49-F238E27FC236}">
-                <a16:creationId xmlns:a16="http://schemas.microsoft.com/office/drawing/2014/main" id="{C3E67A13-ECE8-9767-1A72-9C845E78F5BF}"/>
+                <a16:creationId xmlns:a16="http://schemas.microsoft.com/office/drawing/2014/main" id="{D5816E17-A5F9-FF7D-D5C4-4CF5D371786C}"/>
               </a:ext>
             </a:extLst>
           </p:cNvPr>
@@ -840,7 +840,7 @@
           <p:cNvPr id="4" name="日期占位符 3">
             <a:extLst>
               <a:ext uri="{FF2B5EF4-FFF2-40B4-BE49-F238E27FC236}">
-                <a16:creationId xmlns:a16="http://schemas.microsoft.com/office/drawing/2014/main" id="{DAC22852-8AE2-5926-05AF-2BF671B3F69F}"/>
+                <a16:creationId xmlns:a16="http://schemas.microsoft.com/office/drawing/2014/main" id="{6EBFD957-9FB0-8E5B-5FA7-286EACD432BD}"/>
               </a:ext>
             </a:extLst>
           </p:cNvPr>
@@ -856,7 +856,7 @@
           <a:bodyPr/>
           <a:lstStyle/>
           <a:p>
-            <a:fld id="{31705DD8-BEC8-410D-BF19-3FFD82462F17}" type="datetimeFigureOut">
+            <a:fld id="{6601C72C-662B-440D-AF02-F6C3A3852186}" type="datetimeFigureOut">
               <a:rPr lang="zh-CN" altLang="en-US" smtClean="0"/>
               <a:t>2024/3/10</a:t>
             </a:fld>
@@ -869,7 +869,7 @@
           <p:cNvPr id="5" name="页脚占位符 4">
             <a:extLst>
               <a:ext uri="{FF2B5EF4-FFF2-40B4-BE49-F238E27FC236}">
-                <a16:creationId xmlns:a16="http://schemas.microsoft.com/office/drawing/2014/main" id="{4FF27819-D109-8A97-5F77-0184889DB591}"/>
+                <a16:creationId xmlns:a16="http://schemas.microsoft.com/office/drawing/2014/main" id="{4ACBFDA4-E4F3-D781-95A4-40991455314C}"/>
               </a:ext>
             </a:extLst>
           </p:cNvPr>
@@ -894,7 +894,7 @@
           <p:cNvPr id="6" name="灯片编号占位符 5">
             <a:extLst>
               <a:ext uri="{FF2B5EF4-FFF2-40B4-BE49-F238E27FC236}">
-                <a16:creationId xmlns:a16="http://schemas.microsoft.com/office/drawing/2014/main" id="{85799DF5-A114-CA36-B90F-78E3AB217969}"/>
+                <a16:creationId xmlns:a16="http://schemas.microsoft.com/office/drawing/2014/main" id="{F7B565BB-1BBB-26EE-6065-6A7DE184E71E}"/>
               </a:ext>
             </a:extLst>
           </p:cNvPr>
@@ -910,7 +910,7 @@
           <a:bodyPr/>
           <a:lstStyle/>
           <a:p>
-            <a:fld id="{9B26ECD7-49A7-494D-8551-17A1382008D0}" type="slidenum">
+            <a:fld id="{9445BA26-FBBA-4D0F-8C1A-549A7CA6BDC6}" type="slidenum">
               <a:rPr lang="zh-CN" altLang="en-US" smtClean="0"/>
               <a:t>‹#›</a:t>
             </a:fld>
@@ -921,7 +921,7 @@
     </p:spTree>
     <p:extLst>
       <p:ext uri="{BB962C8B-B14F-4D97-AF65-F5344CB8AC3E}">
-        <p14:creationId xmlns:p14="http://schemas.microsoft.com/office/powerpoint/2010/main" val="780402593"/>
+        <p14:creationId xmlns:p14="http://schemas.microsoft.com/office/powerpoint/2010/main" val="1275840215"/>
       </p:ext>
     </p:extLst>
   </p:cSld>
@@ -953,7 +953,7 @@
           <p:cNvPr id="2" name="标题 1">
             <a:extLst>
               <a:ext uri="{FF2B5EF4-FFF2-40B4-BE49-F238E27FC236}">
-                <a16:creationId xmlns:a16="http://schemas.microsoft.com/office/drawing/2014/main" id="{3462C3DB-5F55-027A-3491-408CA11C8D3A}"/>
+                <a16:creationId xmlns:a16="http://schemas.microsoft.com/office/drawing/2014/main" id="{516B422B-A500-5086-0326-687F64BB3533}"/>
               </a:ext>
             </a:extLst>
           </p:cNvPr>
@@ -990,7 +990,7 @@
           <p:cNvPr id="3" name="文本占位符 2">
             <a:extLst>
               <a:ext uri="{FF2B5EF4-FFF2-40B4-BE49-F238E27FC236}">
-                <a16:creationId xmlns:a16="http://schemas.microsoft.com/office/drawing/2014/main" id="{869AC346-2CD2-ED60-A5FC-63B3C61A80B6}"/>
+                <a16:creationId xmlns:a16="http://schemas.microsoft.com/office/drawing/2014/main" id="{8194225C-2FA8-1B44-C665-DDEAA9F1239F}"/>
               </a:ext>
             </a:extLst>
           </p:cNvPr>
@@ -1115,7 +1115,7 @@
           <p:cNvPr id="4" name="日期占位符 3">
             <a:extLst>
               <a:ext uri="{FF2B5EF4-FFF2-40B4-BE49-F238E27FC236}">
-                <a16:creationId xmlns:a16="http://schemas.microsoft.com/office/drawing/2014/main" id="{F2827AB9-2EEF-CE0F-51BA-647FBAFFC24F}"/>
+                <a16:creationId xmlns:a16="http://schemas.microsoft.com/office/drawing/2014/main" id="{41336C40-9179-0A8F-D0AB-FB1646B4D1B7}"/>
               </a:ext>
             </a:extLst>
           </p:cNvPr>
@@ -1131,7 +1131,7 @@
           <a:bodyPr/>
           <a:lstStyle/>
           <a:p>
-            <a:fld id="{31705DD8-BEC8-410D-BF19-3FFD82462F17}" type="datetimeFigureOut">
+            <a:fld id="{6601C72C-662B-440D-AF02-F6C3A3852186}" type="datetimeFigureOut">
               <a:rPr lang="zh-CN" altLang="en-US" smtClean="0"/>
               <a:t>2024/3/10</a:t>
             </a:fld>
@@ -1144,7 +1144,7 @@
           <p:cNvPr id="5" name="页脚占位符 4">
             <a:extLst>
               <a:ext uri="{FF2B5EF4-FFF2-40B4-BE49-F238E27FC236}">
-                <a16:creationId xmlns:a16="http://schemas.microsoft.com/office/drawing/2014/main" id="{E3C32581-0B82-706E-B777-9418E08D6FF1}"/>
+                <a16:creationId xmlns:a16="http://schemas.microsoft.com/office/drawing/2014/main" id="{CAAC3638-CA1B-A564-C9D0-F916BB20FF2B}"/>
               </a:ext>
             </a:extLst>
           </p:cNvPr>
@@ -1169,7 +1169,7 @@
           <p:cNvPr id="6" name="灯片编号占位符 5">
             <a:extLst>
               <a:ext uri="{FF2B5EF4-FFF2-40B4-BE49-F238E27FC236}">
-                <a16:creationId xmlns:a16="http://schemas.microsoft.com/office/drawing/2014/main" id="{13DD8A12-7BA7-432E-E588-E47A74FFF3CA}"/>
+                <a16:creationId xmlns:a16="http://schemas.microsoft.com/office/drawing/2014/main" id="{B6047AC9-7672-E365-A5F5-12CFC48EC23E}"/>
               </a:ext>
             </a:extLst>
           </p:cNvPr>
@@ -1185,7 +1185,7 @@
           <a:bodyPr/>
           <a:lstStyle/>
           <a:p>
-            <a:fld id="{9B26ECD7-49A7-494D-8551-17A1382008D0}" type="slidenum">
+            <a:fld id="{9445BA26-FBBA-4D0F-8C1A-549A7CA6BDC6}" type="slidenum">
               <a:rPr lang="zh-CN" altLang="en-US" smtClean="0"/>
               <a:t>‹#›</a:t>
             </a:fld>
@@ -1196,7 +1196,7 @@
     </p:spTree>
     <p:extLst>
       <p:ext uri="{BB962C8B-B14F-4D97-AF65-F5344CB8AC3E}">
-        <p14:creationId xmlns:p14="http://schemas.microsoft.com/office/powerpoint/2010/main" val="2937404525"/>
+        <p14:creationId xmlns:p14="http://schemas.microsoft.com/office/powerpoint/2010/main" val="3533239415"/>
       </p:ext>
     </p:extLst>
   </p:cSld>
@@ -1228,7 +1228,7 @@
           <p:cNvPr id="2" name="标题 1">
             <a:extLst>
               <a:ext uri="{FF2B5EF4-FFF2-40B4-BE49-F238E27FC236}">
-                <a16:creationId xmlns:a16="http://schemas.microsoft.com/office/drawing/2014/main" id="{42D43596-CA28-7D8A-9187-34C203806A05}"/>
+                <a16:creationId xmlns:a16="http://schemas.microsoft.com/office/drawing/2014/main" id="{60A22234-E11A-C8CB-B3D8-BAC3ACC77209}"/>
               </a:ext>
             </a:extLst>
           </p:cNvPr>
@@ -1256,7 +1256,7 @@
           <p:cNvPr id="3" name="内容占位符 2">
             <a:extLst>
               <a:ext uri="{FF2B5EF4-FFF2-40B4-BE49-F238E27FC236}">
-                <a16:creationId xmlns:a16="http://schemas.microsoft.com/office/drawing/2014/main" id="{B062AA7E-59C5-0CB2-7551-1A6E0F2C1E21}"/>
+                <a16:creationId xmlns:a16="http://schemas.microsoft.com/office/drawing/2014/main" id="{29B8768B-BC9A-E342-BE1D-215743FF6126}"/>
               </a:ext>
             </a:extLst>
           </p:cNvPr>
@@ -1318,7 +1318,7 @@
           <p:cNvPr id="4" name="内容占位符 3">
             <a:extLst>
               <a:ext uri="{FF2B5EF4-FFF2-40B4-BE49-F238E27FC236}">
-                <a16:creationId xmlns:a16="http://schemas.microsoft.com/office/drawing/2014/main" id="{98F5F5F5-045F-B111-1733-A6EDAFC20F7A}"/>
+                <a16:creationId xmlns:a16="http://schemas.microsoft.com/office/drawing/2014/main" id="{A2D668F1-7E0C-CF83-EB07-E6AC33E3ED5A}"/>
               </a:ext>
             </a:extLst>
           </p:cNvPr>
@@ -1380,7 +1380,7 @@
           <p:cNvPr id="5" name="日期占位符 4">
             <a:extLst>
               <a:ext uri="{FF2B5EF4-FFF2-40B4-BE49-F238E27FC236}">
-                <a16:creationId xmlns:a16="http://schemas.microsoft.com/office/drawing/2014/main" id="{62DADA7E-ED3E-5F2D-9AE0-B21182EE1D14}"/>
+                <a16:creationId xmlns:a16="http://schemas.microsoft.com/office/drawing/2014/main" id="{4113F578-9F99-6E6D-E2D5-BA5FE79CB356}"/>
               </a:ext>
             </a:extLst>
           </p:cNvPr>
@@ -1396,7 +1396,7 @@
           <a:bodyPr/>
           <a:lstStyle/>
           <a:p>
-            <a:fld id="{31705DD8-BEC8-410D-BF19-3FFD82462F17}" type="datetimeFigureOut">
+            <a:fld id="{6601C72C-662B-440D-AF02-F6C3A3852186}" type="datetimeFigureOut">
               <a:rPr lang="zh-CN" altLang="en-US" smtClean="0"/>
               <a:t>2024/3/10</a:t>
             </a:fld>
@@ -1409,7 +1409,7 @@
           <p:cNvPr id="6" name="页脚占位符 5">
             <a:extLst>
               <a:ext uri="{FF2B5EF4-FFF2-40B4-BE49-F238E27FC236}">
-                <a16:creationId xmlns:a16="http://schemas.microsoft.com/office/drawing/2014/main" id="{E76FE540-C53C-5BB6-BB7B-7F9AFFE534B3}"/>
+                <a16:creationId xmlns:a16="http://schemas.microsoft.com/office/drawing/2014/main" id="{FCC5018B-CF03-831F-D7EB-767531B4796C}"/>
               </a:ext>
             </a:extLst>
           </p:cNvPr>
@@ -1434,7 +1434,7 @@
           <p:cNvPr id="7" name="灯片编号占位符 6">
             <a:extLst>
               <a:ext uri="{FF2B5EF4-FFF2-40B4-BE49-F238E27FC236}">
-                <a16:creationId xmlns:a16="http://schemas.microsoft.com/office/drawing/2014/main" id="{37263076-9EC1-DB1E-3F5A-52A4A21E67B5}"/>
+                <a16:creationId xmlns:a16="http://schemas.microsoft.com/office/drawing/2014/main" id="{C772BA35-2BB1-77B0-B6D1-3A93D3D37512}"/>
               </a:ext>
             </a:extLst>
           </p:cNvPr>
@@ -1450,7 +1450,7 @@
           <a:bodyPr/>
           <a:lstStyle/>
           <a:p>
-            <a:fld id="{9B26ECD7-49A7-494D-8551-17A1382008D0}" type="slidenum">
+            <a:fld id="{9445BA26-FBBA-4D0F-8C1A-549A7CA6BDC6}" type="slidenum">
               <a:rPr lang="zh-CN" altLang="en-US" smtClean="0"/>
               <a:t>‹#›</a:t>
             </a:fld>
@@ -1461,7 +1461,7 @@
     </p:spTree>
     <p:extLst>
       <p:ext uri="{BB962C8B-B14F-4D97-AF65-F5344CB8AC3E}">
-        <p14:creationId xmlns:p14="http://schemas.microsoft.com/office/powerpoint/2010/main" val="133355519"/>
+        <p14:creationId xmlns:p14="http://schemas.microsoft.com/office/powerpoint/2010/main" val="1762298964"/>
       </p:ext>
     </p:extLst>
   </p:cSld>
@@ -1493,7 +1493,7 @@
           <p:cNvPr id="2" name="标题 1">
             <a:extLst>
               <a:ext uri="{FF2B5EF4-FFF2-40B4-BE49-F238E27FC236}">
-                <a16:creationId xmlns:a16="http://schemas.microsoft.com/office/drawing/2014/main" id="{9BC65E67-6579-20A1-98B2-B84D5392F840}"/>
+                <a16:creationId xmlns:a16="http://schemas.microsoft.com/office/drawing/2014/main" id="{928310B1-3942-0CD6-8EDF-7E60F7CFF2BC}"/>
               </a:ext>
             </a:extLst>
           </p:cNvPr>
@@ -1526,7 +1526,7 @@
           <p:cNvPr id="3" name="文本占位符 2">
             <a:extLst>
               <a:ext uri="{FF2B5EF4-FFF2-40B4-BE49-F238E27FC236}">
-                <a16:creationId xmlns:a16="http://schemas.microsoft.com/office/drawing/2014/main" id="{4C01F45A-E166-D786-6B63-80B6DE3D17BE}"/>
+                <a16:creationId xmlns:a16="http://schemas.microsoft.com/office/drawing/2014/main" id="{B9621EDF-1751-A73E-58AD-73A813165309}"/>
               </a:ext>
             </a:extLst>
           </p:cNvPr>
@@ -1597,7 +1597,7 @@
           <p:cNvPr id="4" name="内容占位符 3">
             <a:extLst>
               <a:ext uri="{FF2B5EF4-FFF2-40B4-BE49-F238E27FC236}">
-                <a16:creationId xmlns:a16="http://schemas.microsoft.com/office/drawing/2014/main" id="{5A80E9D3-719B-4822-232A-207A7DD76A60}"/>
+                <a16:creationId xmlns:a16="http://schemas.microsoft.com/office/drawing/2014/main" id="{14B818BF-AF14-6990-C815-2BF834FE01F7}"/>
               </a:ext>
             </a:extLst>
           </p:cNvPr>
@@ -1659,7 +1659,7 @@
           <p:cNvPr id="5" name="文本占位符 4">
             <a:extLst>
               <a:ext uri="{FF2B5EF4-FFF2-40B4-BE49-F238E27FC236}">
-                <a16:creationId xmlns:a16="http://schemas.microsoft.com/office/drawing/2014/main" id="{39AD5D3F-46CE-6B2A-5A74-9418E83F605E}"/>
+                <a16:creationId xmlns:a16="http://schemas.microsoft.com/office/drawing/2014/main" id="{3CDAF83D-2856-C367-E590-68A2E974F5E4}"/>
               </a:ext>
             </a:extLst>
           </p:cNvPr>
@@ -1730,7 +1730,7 @@
           <p:cNvPr id="6" name="内容占位符 5">
             <a:extLst>
               <a:ext uri="{FF2B5EF4-FFF2-40B4-BE49-F238E27FC236}">
-                <a16:creationId xmlns:a16="http://schemas.microsoft.com/office/drawing/2014/main" id="{7EF55493-08C9-07D1-E860-3D39AE377EDB}"/>
+                <a16:creationId xmlns:a16="http://schemas.microsoft.com/office/drawing/2014/main" id="{78484304-80F1-A8CC-9AAE-9FED38194AE9}"/>
               </a:ext>
             </a:extLst>
           </p:cNvPr>
@@ -1792,7 +1792,7 @@
           <p:cNvPr id="7" name="日期占位符 6">
             <a:extLst>
               <a:ext uri="{FF2B5EF4-FFF2-40B4-BE49-F238E27FC236}">
-                <a16:creationId xmlns:a16="http://schemas.microsoft.com/office/drawing/2014/main" id="{E48588F0-8FA5-6086-721A-3616B1B857B8}"/>
+                <a16:creationId xmlns:a16="http://schemas.microsoft.com/office/drawing/2014/main" id="{4086915D-293C-E200-DBC9-1076B030384A}"/>
               </a:ext>
             </a:extLst>
           </p:cNvPr>
@@ -1808,7 +1808,7 @@
           <a:bodyPr/>
           <a:lstStyle/>
           <a:p>
-            <a:fld id="{31705DD8-BEC8-410D-BF19-3FFD82462F17}" type="datetimeFigureOut">
+            <a:fld id="{6601C72C-662B-440D-AF02-F6C3A3852186}" type="datetimeFigureOut">
               <a:rPr lang="zh-CN" altLang="en-US" smtClean="0"/>
               <a:t>2024/3/10</a:t>
             </a:fld>
@@ -1821,7 +1821,7 @@
           <p:cNvPr id="8" name="页脚占位符 7">
             <a:extLst>
               <a:ext uri="{FF2B5EF4-FFF2-40B4-BE49-F238E27FC236}">
-                <a16:creationId xmlns:a16="http://schemas.microsoft.com/office/drawing/2014/main" id="{915B0906-21D2-02E6-AA3A-0712B4259114}"/>
+                <a16:creationId xmlns:a16="http://schemas.microsoft.com/office/drawing/2014/main" id="{F271F9B6-1482-CF01-6E49-03B4EA95AC6F}"/>
               </a:ext>
             </a:extLst>
           </p:cNvPr>
@@ -1846,7 +1846,7 @@
           <p:cNvPr id="9" name="灯片编号占位符 8">
             <a:extLst>
               <a:ext uri="{FF2B5EF4-FFF2-40B4-BE49-F238E27FC236}">
-                <a16:creationId xmlns:a16="http://schemas.microsoft.com/office/drawing/2014/main" id="{94FD18BA-8E13-4FB0-466D-169A40023981}"/>
+                <a16:creationId xmlns:a16="http://schemas.microsoft.com/office/drawing/2014/main" id="{92D93BB0-1EA4-7762-9252-ABF1841D4FE7}"/>
               </a:ext>
             </a:extLst>
           </p:cNvPr>
@@ -1862,7 +1862,7 @@
           <a:bodyPr/>
           <a:lstStyle/>
           <a:p>
-            <a:fld id="{9B26ECD7-49A7-494D-8551-17A1382008D0}" type="slidenum">
+            <a:fld id="{9445BA26-FBBA-4D0F-8C1A-549A7CA6BDC6}" type="slidenum">
               <a:rPr lang="zh-CN" altLang="en-US" smtClean="0"/>
               <a:t>‹#›</a:t>
             </a:fld>
@@ -1873,7 +1873,7 @@
     </p:spTree>
     <p:extLst>
       <p:ext uri="{BB962C8B-B14F-4D97-AF65-F5344CB8AC3E}">
-        <p14:creationId xmlns:p14="http://schemas.microsoft.com/office/powerpoint/2010/main" val="4148775460"/>
+        <p14:creationId xmlns:p14="http://schemas.microsoft.com/office/powerpoint/2010/main" val="3957351327"/>
       </p:ext>
     </p:extLst>
   </p:cSld>
@@ -1905,7 +1905,7 @@
           <p:cNvPr id="2" name="标题 1">
             <a:extLst>
               <a:ext uri="{FF2B5EF4-FFF2-40B4-BE49-F238E27FC236}">
-                <a16:creationId xmlns:a16="http://schemas.microsoft.com/office/drawing/2014/main" id="{49A62B38-6BC9-1671-BA81-8CBF727DF860}"/>
+                <a16:creationId xmlns:a16="http://schemas.microsoft.com/office/drawing/2014/main" id="{4F1F3E83-5280-910C-AD10-911CDEADAD37}"/>
               </a:ext>
             </a:extLst>
           </p:cNvPr>
@@ -1933,7 +1933,7 @@
           <p:cNvPr id="3" name="日期占位符 2">
             <a:extLst>
               <a:ext uri="{FF2B5EF4-FFF2-40B4-BE49-F238E27FC236}">
-                <a16:creationId xmlns:a16="http://schemas.microsoft.com/office/drawing/2014/main" id="{38123297-01FE-CD81-54AD-531C7B0946DD}"/>
+                <a16:creationId xmlns:a16="http://schemas.microsoft.com/office/drawing/2014/main" id="{049A814C-30FE-9509-A1F6-D25352996689}"/>
               </a:ext>
             </a:extLst>
           </p:cNvPr>
@@ -1949,7 +1949,7 @@
           <a:bodyPr/>
           <a:lstStyle/>
           <a:p>
-            <a:fld id="{31705DD8-BEC8-410D-BF19-3FFD82462F17}" type="datetimeFigureOut">
+            <a:fld id="{6601C72C-662B-440D-AF02-F6C3A3852186}" type="datetimeFigureOut">
               <a:rPr lang="zh-CN" altLang="en-US" smtClean="0"/>
               <a:t>2024/3/10</a:t>
             </a:fld>
@@ -1962,7 +1962,7 @@
           <p:cNvPr id="4" name="页脚占位符 3">
             <a:extLst>
               <a:ext uri="{FF2B5EF4-FFF2-40B4-BE49-F238E27FC236}">
-                <a16:creationId xmlns:a16="http://schemas.microsoft.com/office/drawing/2014/main" id="{C977A3E2-4250-8AFF-F979-D29CAC35CD96}"/>
+                <a16:creationId xmlns:a16="http://schemas.microsoft.com/office/drawing/2014/main" id="{BCE8A2DB-5DFD-0281-6890-BD8C8BF69D10}"/>
               </a:ext>
             </a:extLst>
           </p:cNvPr>
@@ -1987,7 +1987,7 @@
           <p:cNvPr id="5" name="灯片编号占位符 4">
             <a:extLst>
               <a:ext uri="{FF2B5EF4-FFF2-40B4-BE49-F238E27FC236}">
-                <a16:creationId xmlns:a16="http://schemas.microsoft.com/office/drawing/2014/main" id="{825ACA80-7DC7-A12B-E60E-59EA252D922D}"/>
+                <a16:creationId xmlns:a16="http://schemas.microsoft.com/office/drawing/2014/main" id="{C4BE3CFC-B59F-6A43-CCD5-A390E27554CB}"/>
               </a:ext>
             </a:extLst>
           </p:cNvPr>
@@ -2003,7 +2003,7 @@
           <a:bodyPr/>
           <a:lstStyle/>
           <a:p>
-            <a:fld id="{9B26ECD7-49A7-494D-8551-17A1382008D0}" type="slidenum">
+            <a:fld id="{9445BA26-FBBA-4D0F-8C1A-549A7CA6BDC6}" type="slidenum">
               <a:rPr lang="zh-CN" altLang="en-US" smtClean="0"/>
               <a:t>‹#›</a:t>
             </a:fld>
@@ -2014,7 +2014,7 @@
     </p:spTree>
     <p:extLst>
       <p:ext uri="{BB962C8B-B14F-4D97-AF65-F5344CB8AC3E}">
-        <p14:creationId xmlns:p14="http://schemas.microsoft.com/office/powerpoint/2010/main" val="3635612987"/>
+        <p14:creationId xmlns:p14="http://schemas.microsoft.com/office/powerpoint/2010/main" val="916627982"/>
       </p:ext>
     </p:extLst>
   </p:cSld>
@@ -2046,7 +2046,7 @@
           <p:cNvPr id="2" name="日期占位符 1">
             <a:extLst>
               <a:ext uri="{FF2B5EF4-FFF2-40B4-BE49-F238E27FC236}">
-                <a16:creationId xmlns:a16="http://schemas.microsoft.com/office/drawing/2014/main" id="{57319FB5-9831-993F-D82B-841A9250E961}"/>
+                <a16:creationId xmlns:a16="http://schemas.microsoft.com/office/drawing/2014/main" id="{C46DC338-BBB4-9BBA-A066-4520385BEDDB}"/>
               </a:ext>
             </a:extLst>
           </p:cNvPr>
@@ -2062,7 +2062,7 @@
           <a:bodyPr/>
           <a:lstStyle/>
           <a:p>
-            <a:fld id="{31705DD8-BEC8-410D-BF19-3FFD82462F17}" type="datetimeFigureOut">
+            <a:fld id="{6601C72C-662B-440D-AF02-F6C3A3852186}" type="datetimeFigureOut">
               <a:rPr lang="zh-CN" altLang="en-US" smtClean="0"/>
               <a:t>2024/3/10</a:t>
             </a:fld>
@@ -2075,7 +2075,7 @@
           <p:cNvPr id="3" name="页脚占位符 2">
             <a:extLst>
               <a:ext uri="{FF2B5EF4-FFF2-40B4-BE49-F238E27FC236}">
-                <a16:creationId xmlns:a16="http://schemas.microsoft.com/office/drawing/2014/main" id="{3BEFE39B-2B67-0E96-D4FF-C353C3F4ACDD}"/>
+                <a16:creationId xmlns:a16="http://schemas.microsoft.com/office/drawing/2014/main" id="{8DEA5261-89FF-B08B-97E4-499C64063152}"/>
               </a:ext>
             </a:extLst>
           </p:cNvPr>
@@ -2100,7 +2100,7 @@
           <p:cNvPr id="4" name="灯片编号占位符 3">
             <a:extLst>
               <a:ext uri="{FF2B5EF4-FFF2-40B4-BE49-F238E27FC236}">
-                <a16:creationId xmlns:a16="http://schemas.microsoft.com/office/drawing/2014/main" id="{46DC4E44-7605-935F-0F5A-F6FA07841464}"/>
+                <a16:creationId xmlns:a16="http://schemas.microsoft.com/office/drawing/2014/main" id="{160FFD94-8A3E-594A-B717-FE8319176652}"/>
               </a:ext>
             </a:extLst>
           </p:cNvPr>
@@ -2116,7 +2116,7 @@
           <a:bodyPr/>
           <a:lstStyle/>
           <a:p>
-            <a:fld id="{9B26ECD7-49A7-494D-8551-17A1382008D0}" type="slidenum">
+            <a:fld id="{9445BA26-FBBA-4D0F-8C1A-549A7CA6BDC6}" type="slidenum">
               <a:rPr lang="zh-CN" altLang="en-US" smtClean="0"/>
               <a:t>‹#›</a:t>
             </a:fld>
@@ -2127,7 +2127,7 @@
     </p:spTree>
     <p:extLst>
       <p:ext uri="{BB962C8B-B14F-4D97-AF65-F5344CB8AC3E}">
-        <p14:creationId xmlns:p14="http://schemas.microsoft.com/office/powerpoint/2010/main" val="220318839"/>
+        <p14:creationId xmlns:p14="http://schemas.microsoft.com/office/powerpoint/2010/main" val="44445554"/>
       </p:ext>
     </p:extLst>
   </p:cSld>
@@ -2159,7 +2159,7 @@
           <p:cNvPr id="2" name="标题 1">
             <a:extLst>
               <a:ext uri="{FF2B5EF4-FFF2-40B4-BE49-F238E27FC236}">
-                <a16:creationId xmlns:a16="http://schemas.microsoft.com/office/drawing/2014/main" id="{1C208CB3-DF01-B632-7378-89609F3590B7}"/>
+                <a16:creationId xmlns:a16="http://schemas.microsoft.com/office/drawing/2014/main" id="{BEC9B6A2-1BED-B8E5-F94C-7BF6C64B6957}"/>
               </a:ext>
             </a:extLst>
           </p:cNvPr>
@@ -2196,7 +2196,7 @@
           <p:cNvPr id="3" name="内容占位符 2">
             <a:extLst>
               <a:ext uri="{FF2B5EF4-FFF2-40B4-BE49-F238E27FC236}">
-                <a16:creationId xmlns:a16="http://schemas.microsoft.com/office/drawing/2014/main" id="{0A9A041C-FA1F-460E-846C-2987E7632E6E}"/>
+                <a16:creationId xmlns:a16="http://schemas.microsoft.com/office/drawing/2014/main" id="{4BBF576C-42D8-274B-1629-2103CA18935D}"/>
               </a:ext>
             </a:extLst>
           </p:cNvPr>
@@ -2286,7 +2286,7 @@
           <p:cNvPr id="4" name="文本占位符 3">
             <a:extLst>
               <a:ext uri="{FF2B5EF4-FFF2-40B4-BE49-F238E27FC236}">
-                <a16:creationId xmlns:a16="http://schemas.microsoft.com/office/drawing/2014/main" id="{22CBAB5C-B336-5F12-18C0-DFDA64C7BB63}"/>
+                <a16:creationId xmlns:a16="http://schemas.microsoft.com/office/drawing/2014/main" id="{D8072065-797C-ECDE-9921-37E6A6EBA1A5}"/>
               </a:ext>
             </a:extLst>
           </p:cNvPr>
@@ -2357,7 +2357,7 @@
           <p:cNvPr id="5" name="日期占位符 4">
             <a:extLst>
               <a:ext uri="{FF2B5EF4-FFF2-40B4-BE49-F238E27FC236}">
-                <a16:creationId xmlns:a16="http://schemas.microsoft.com/office/drawing/2014/main" id="{FBF3764B-15CA-23D8-8860-7DF6D149A5E6}"/>
+                <a16:creationId xmlns:a16="http://schemas.microsoft.com/office/drawing/2014/main" id="{5A3CBDB0-C7C4-801B-728C-5B3BFD87B8F6}"/>
               </a:ext>
             </a:extLst>
           </p:cNvPr>
@@ -2373,7 +2373,7 @@
           <a:bodyPr/>
           <a:lstStyle/>
           <a:p>
-            <a:fld id="{31705DD8-BEC8-410D-BF19-3FFD82462F17}" type="datetimeFigureOut">
+            <a:fld id="{6601C72C-662B-440D-AF02-F6C3A3852186}" type="datetimeFigureOut">
               <a:rPr lang="zh-CN" altLang="en-US" smtClean="0"/>
               <a:t>2024/3/10</a:t>
             </a:fld>
@@ -2386,7 +2386,7 @@
           <p:cNvPr id="6" name="页脚占位符 5">
             <a:extLst>
               <a:ext uri="{FF2B5EF4-FFF2-40B4-BE49-F238E27FC236}">
-                <a16:creationId xmlns:a16="http://schemas.microsoft.com/office/drawing/2014/main" id="{01255CF2-1AB5-EAEA-2EA0-9FFBB1651573}"/>
+                <a16:creationId xmlns:a16="http://schemas.microsoft.com/office/drawing/2014/main" id="{944A834E-BA64-45E1-145A-AE0DABADC758}"/>
               </a:ext>
             </a:extLst>
           </p:cNvPr>
@@ -2411,7 +2411,7 @@
           <p:cNvPr id="7" name="灯片编号占位符 6">
             <a:extLst>
               <a:ext uri="{FF2B5EF4-FFF2-40B4-BE49-F238E27FC236}">
-                <a16:creationId xmlns:a16="http://schemas.microsoft.com/office/drawing/2014/main" id="{816E248D-6C44-C57B-6861-8202C5A30D03}"/>
+                <a16:creationId xmlns:a16="http://schemas.microsoft.com/office/drawing/2014/main" id="{1A88AD8C-A308-1397-BAD8-97F7BD73A480}"/>
               </a:ext>
             </a:extLst>
           </p:cNvPr>
@@ -2427,7 +2427,7 @@
           <a:bodyPr/>
           <a:lstStyle/>
           <a:p>
-            <a:fld id="{9B26ECD7-49A7-494D-8551-17A1382008D0}" type="slidenum">
+            <a:fld id="{9445BA26-FBBA-4D0F-8C1A-549A7CA6BDC6}" type="slidenum">
               <a:rPr lang="zh-CN" altLang="en-US" smtClean="0"/>
               <a:t>‹#›</a:t>
             </a:fld>
@@ -2438,7 +2438,7 @@
     </p:spTree>
     <p:extLst>
       <p:ext uri="{BB962C8B-B14F-4D97-AF65-F5344CB8AC3E}">
-        <p14:creationId xmlns:p14="http://schemas.microsoft.com/office/powerpoint/2010/main" val="243812332"/>
+        <p14:creationId xmlns:p14="http://schemas.microsoft.com/office/powerpoint/2010/main" val="3484777556"/>
       </p:ext>
     </p:extLst>
   </p:cSld>
@@ -2470,7 +2470,7 @@
           <p:cNvPr id="2" name="标题 1">
             <a:extLst>
               <a:ext uri="{FF2B5EF4-FFF2-40B4-BE49-F238E27FC236}">
-                <a16:creationId xmlns:a16="http://schemas.microsoft.com/office/drawing/2014/main" id="{9165398E-2D08-4B73-C29F-18D21B257178}"/>
+                <a16:creationId xmlns:a16="http://schemas.microsoft.com/office/drawing/2014/main" id="{C22BF4D7-21FD-5207-01BC-E717CED40CC9}"/>
               </a:ext>
             </a:extLst>
           </p:cNvPr>
@@ -2507,7 +2507,7 @@
           <p:cNvPr id="3" name="图片占位符 2">
             <a:extLst>
               <a:ext uri="{FF2B5EF4-FFF2-40B4-BE49-F238E27FC236}">
-                <a16:creationId xmlns:a16="http://schemas.microsoft.com/office/drawing/2014/main" id="{6C913CF9-E331-260B-1041-1A29EC46DC0D}"/>
+                <a16:creationId xmlns:a16="http://schemas.microsoft.com/office/drawing/2014/main" id="{F5B4C793-494C-51B6-D313-5AF6EF2A9F7E}"/>
               </a:ext>
             </a:extLst>
           </p:cNvPr>
@@ -2574,7 +2574,7 @@
           <p:cNvPr id="4" name="文本占位符 3">
             <a:extLst>
               <a:ext uri="{FF2B5EF4-FFF2-40B4-BE49-F238E27FC236}">
-                <a16:creationId xmlns:a16="http://schemas.microsoft.com/office/drawing/2014/main" id="{585CDAE0-EA83-21E7-01A6-FE2F69994A75}"/>
+                <a16:creationId xmlns:a16="http://schemas.microsoft.com/office/drawing/2014/main" id="{84E501D2-D858-8551-7C60-51357849A63D}"/>
               </a:ext>
             </a:extLst>
           </p:cNvPr>
@@ -2645,7 +2645,7 @@
           <p:cNvPr id="5" name="日期占位符 4">
             <a:extLst>
               <a:ext uri="{FF2B5EF4-FFF2-40B4-BE49-F238E27FC236}">
-                <a16:creationId xmlns:a16="http://schemas.microsoft.com/office/drawing/2014/main" id="{1E813AD8-AFF2-B5D3-87F4-DA7FDF1308D7}"/>
+                <a16:creationId xmlns:a16="http://schemas.microsoft.com/office/drawing/2014/main" id="{8739A20B-0418-787E-ACDF-FF2304A6184B}"/>
               </a:ext>
             </a:extLst>
           </p:cNvPr>
@@ -2661,7 +2661,7 @@
           <a:bodyPr/>
           <a:lstStyle/>
           <a:p>
-            <a:fld id="{31705DD8-BEC8-410D-BF19-3FFD82462F17}" type="datetimeFigureOut">
+            <a:fld id="{6601C72C-662B-440D-AF02-F6C3A3852186}" type="datetimeFigureOut">
               <a:rPr lang="zh-CN" altLang="en-US" smtClean="0"/>
               <a:t>2024/3/10</a:t>
             </a:fld>
@@ -2674,7 +2674,7 @@
           <p:cNvPr id="6" name="页脚占位符 5">
             <a:extLst>
               <a:ext uri="{FF2B5EF4-FFF2-40B4-BE49-F238E27FC236}">
-                <a16:creationId xmlns:a16="http://schemas.microsoft.com/office/drawing/2014/main" id="{23CA2D9B-0A5E-A79B-E9C6-9765B3A8B31C}"/>
+                <a16:creationId xmlns:a16="http://schemas.microsoft.com/office/drawing/2014/main" id="{E66EDEEF-1429-8BED-C5CE-64D96DAD9B79}"/>
               </a:ext>
             </a:extLst>
           </p:cNvPr>
@@ -2699,7 +2699,7 @@
           <p:cNvPr id="7" name="灯片编号占位符 6">
             <a:extLst>
               <a:ext uri="{FF2B5EF4-FFF2-40B4-BE49-F238E27FC236}">
-                <a16:creationId xmlns:a16="http://schemas.microsoft.com/office/drawing/2014/main" id="{B36A4F05-9F00-C0D4-2805-0AD08C365FF3}"/>
+                <a16:creationId xmlns:a16="http://schemas.microsoft.com/office/drawing/2014/main" id="{A2F4C54E-C7F5-9169-AA1B-A13DB71BD6A3}"/>
               </a:ext>
             </a:extLst>
           </p:cNvPr>
@@ -2715,7 +2715,7 @@
           <a:bodyPr/>
           <a:lstStyle/>
           <a:p>
-            <a:fld id="{9B26ECD7-49A7-494D-8551-17A1382008D0}" type="slidenum">
+            <a:fld id="{9445BA26-FBBA-4D0F-8C1A-549A7CA6BDC6}" type="slidenum">
               <a:rPr lang="zh-CN" altLang="en-US" smtClean="0"/>
               <a:t>‹#›</a:t>
             </a:fld>
@@ -2726,7 +2726,7 @@
     </p:spTree>
     <p:extLst>
       <p:ext uri="{BB962C8B-B14F-4D97-AF65-F5344CB8AC3E}">
-        <p14:creationId xmlns:p14="http://schemas.microsoft.com/office/powerpoint/2010/main" val="4175382594"/>
+        <p14:creationId xmlns:p14="http://schemas.microsoft.com/office/powerpoint/2010/main" val="2340619928"/>
       </p:ext>
     </p:extLst>
   </p:cSld>
@@ -2763,7 +2763,7 @@
           <p:cNvPr id="2" name="标题占位符 1">
             <a:extLst>
               <a:ext uri="{FF2B5EF4-FFF2-40B4-BE49-F238E27FC236}">
-                <a16:creationId xmlns:a16="http://schemas.microsoft.com/office/drawing/2014/main" id="{9ADF9141-E9DC-FC41-6CAA-E97B5E52038D}"/>
+                <a16:creationId xmlns:a16="http://schemas.microsoft.com/office/drawing/2014/main" id="{7C3B21C5-D4CF-A696-1413-70CDC91C7E52}"/>
               </a:ext>
             </a:extLst>
           </p:cNvPr>
@@ -2801,7 +2801,7 @@
           <p:cNvPr id="3" name="文本占位符 2">
             <a:extLst>
               <a:ext uri="{FF2B5EF4-FFF2-40B4-BE49-F238E27FC236}">
-                <a16:creationId xmlns:a16="http://schemas.microsoft.com/office/drawing/2014/main" id="{F62FC96F-D8AB-FC73-23FF-43C9C602E327}"/>
+                <a16:creationId xmlns:a16="http://schemas.microsoft.com/office/drawing/2014/main" id="{227B0AFE-DC9B-0917-A83F-63BEE9C79A5D}"/>
               </a:ext>
             </a:extLst>
           </p:cNvPr>
@@ -2868,7 +2868,7 @@
           <p:cNvPr id="4" name="日期占位符 3">
             <a:extLst>
               <a:ext uri="{FF2B5EF4-FFF2-40B4-BE49-F238E27FC236}">
-                <a16:creationId xmlns:a16="http://schemas.microsoft.com/office/drawing/2014/main" id="{919FFD93-8AFA-2071-6445-80F2FD1B60AB}"/>
+                <a16:creationId xmlns:a16="http://schemas.microsoft.com/office/drawing/2014/main" id="{BF47011B-C724-9397-E5D3-54DD7BD4A6D0}"/>
               </a:ext>
             </a:extLst>
           </p:cNvPr>
@@ -2902,7 +2902,7 @@
             </a:lvl1pPr>
           </a:lstStyle>
           <a:p>
-            <a:fld id="{31705DD8-BEC8-410D-BF19-3FFD82462F17}" type="datetimeFigureOut">
+            <a:fld id="{6601C72C-662B-440D-AF02-F6C3A3852186}" type="datetimeFigureOut">
               <a:rPr lang="zh-CN" altLang="en-US" smtClean="0"/>
               <a:t>2024/3/10</a:t>
             </a:fld>
@@ -2915,7 +2915,7 @@
           <p:cNvPr id="5" name="页脚占位符 4">
             <a:extLst>
               <a:ext uri="{FF2B5EF4-FFF2-40B4-BE49-F238E27FC236}">
-                <a16:creationId xmlns:a16="http://schemas.microsoft.com/office/drawing/2014/main" id="{EC7B66F1-A6D6-BB56-7AD5-D3382DBEEC68}"/>
+                <a16:creationId xmlns:a16="http://schemas.microsoft.com/office/drawing/2014/main" id="{76B5A0BF-DF03-9DC3-E72B-294ECE392E9C}"/>
               </a:ext>
             </a:extLst>
           </p:cNvPr>
@@ -2958,7 +2958,7 @@
           <p:cNvPr id="6" name="灯片编号占位符 5">
             <a:extLst>
               <a:ext uri="{FF2B5EF4-FFF2-40B4-BE49-F238E27FC236}">
-                <a16:creationId xmlns:a16="http://schemas.microsoft.com/office/drawing/2014/main" id="{6D9C2E65-F75E-7A95-F1D0-5E732F2D6AAE}"/>
+                <a16:creationId xmlns:a16="http://schemas.microsoft.com/office/drawing/2014/main" id="{6ECE7F4F-5102-D4A4-8627-714CBE16E5AC}"/>
               </a:ext>
             </a:extLst>
           </p:cNvPr>
@@ -2992,7 +2992,7 @@
             </a:lvl1pPr>
           </a:lstStyle>
           <a:p>
-            <a:fld id="{9B26ECD7-49A7-494D-8551-17A1382008D0}" type="slidenum">
+            <a:fld id="{9445BA26-FBBA-4D0F-8C1A-549A7CA6BDC6}" type="slidenum">
               <a:rPr lang="zh-CN" altLang="en-US" smtClean="0"/>
               <a:t>‹#›</a:t>
             </a:fld>
@@ -3003,7 +3003,7 @@
     </p:spTree>
     <p:extLst>
       <p:ext uri="{BB962C8B-B14F-4D97-AF65-F5344CB8AC3E}">
-        <p14:creationId xmlns:p14="http://schemas.microsoft.com/office/powerpoint/2010/main" val="3410989248"/>
+        <p14:creationId xmlns:p14="http://schemas.microsoft.com/office/powerpoint/2010/main" val="3030115928"/>
       </p:ext>
     </p:extLst>
   </p:cSld>
@@ -3323,7 +3323,7 @@
       </p:grpSpPr>
       <p:pic>
         <p:nvPicPr>
-          <p:cNvPr id="179202" name="Picture 2" descr="174"/>
+          <p:cNvPr id="180226" name="Picture 2" descr="175"/>
           <p:cNvPicPr>
             <a:picLocks noChangeAspect="1" noChangeArrowheads="1"/>
           </p:cNvPicPr>
